--- a/Weekly/汇报/O2E-TU-2_汇报_0329.pptx
+++ b/Weekly/汇报/O2E-TU-2_汇报_0329.pptx
@@ -211,7 +211,7 @@
           <a:p>
             <a:fld id="{52C2BB04-99A4-4E11-A933-BC564344C338}" type="datetimeFigureOut">
               <a:rPr lang="zh-CN" altLang="en-US" smtClean="0"/>
-              <a:t>2022/3/29</a:t>
+              <a:t>2022/6/7</a:t>
             </a:fld>
             <a:endParaRPr lang="zh-CN" altLang="en-US"/>
           </a:p>
@@ -730,7 +730,7 @@
           <a:p>
             <a:fld id="{D997B5FA-0921-464F-AAE1-844C04324D75}" type="datetimeFigureOut">
               <a:rPr lang="zh-CN" altLang="en-US" smtClean="0"/>
-              <a:t>2022/3/29</a:t>
+              <a:t>2022/6/7</a:t>
             </a:fld>
             <a:endParaRPr lang="zh-CN" altLang="en-US"/>
           </a:p>
@@ -893,7 +893,7 @@
           <a:p>
             <a:fld id="{D997B5FA-0921-464F-AAE1-844C04324D75}" type="datetimeFigureOut">
               <a:rPr lang="zh-CN" altLang="en-US" smtClean="0"/>
-              <a:t>2022/3/29</a:t>
+              <a:t>2022/6/7</a:t>
             </a:fld>
             <a:endParaRPr lang="zh-CN" altLang="en-US"/>
           </a:p>
@@ -1066,7 +1066,7 @@
           <a:p>
             <a:fld id="{D997B5FA-0921-464F-AAE1-844C04324D75}" type="datetimeFigureOut">
               <a:rPr lang="zh-CN" altLang="en-US" smtClean="0"/>
-              <a:t>2022/3/29</a:t>
+              <a:t>2022/6/7</a:t>
             </a:fld>
             <a:endParaRPr lang="zh-CN" altLang="en-US"/>
           </a:p>
@@ -1229,7 +1229,7 @@
           <a:p>
             <a:fld id="{D997B5FA-0921-464F-AAE1-844C04324D75}" type="datetimeFigureOut">
               <a:rPr lang="zh-CN" altLang="en-US" smtClean="0"/>
-              <a:t>2022/3/29</a:t>
+              <a:t>2022/6/7</a:t>
             </a:fld>
             <a:endParaRPr lang="zh-CN" altLang="en-US"/>
           </a:p>
@@ -1469,7 +1469,7 @@
           <a:p>
             <a:fld id="{D997B5FA-0921-464F-AAE1-844C04324D75}" type="datetimeFigureOut">
               <a:rPr lang="zh-CN" altLang="en-US" smtClean="0"/>
-              <a:t>2022/3/29</a:t>
+              <a:t>2022/6/7</a:t>
             </a:fld>
             <a:endParaRPr lang="zh-CN" altLang="en-US"/>
           </a:p>
@@ -1693,7 +1693,7 @@
           <a:p>
             <a:fld id="{D997B5FA-0921-464F-AAE1-844C04324D75}" type="datetimeFigureOut">
               <a:rPr lang="zh-CN" altLang="en-US" smtClean="0"/>
-              <a:t>2022/3/29</a:t>
+              <a:t>2022/6/7</a:t>
             </a:fld>
             <a:endParaRPr lang="zh-CN" altLang="en-US"/>
           </a:p>
@@ -2052,7 +2052,7 @@
           <a:p>
             <a:fld id="{D997B5FA-0921-464F-AAE1-844C04324D75}" type="datetimeFigureOut">
               <a:rPr lang="zh-CN" altLang="en-US" smtClean="0"/>
-              <a:t>2022/3/29</a:t>
+              <a:t>2022/6/7</a:t>
             </a:fld>
             <a:endParaRPr lang="zh-CN" altLang="en-US"/>
           </a:p>
@@ -2164,7 +2164,7 @@
           <a:p>
             <a:fld id="{D997B5FA-0921-464F-AAE1-844C04324D75}" type="datetimeFigureOut">
               <a:rPr lang="zh-CN" altLang="en-US" smtClean="0"/>
-              <a:t>2022/3/29</a:t>
+              <a:t>2022/6/7</a:t>
             </a:fld>
             <a:endParaRPr lang="zh-CN" altLang="en-US"/>
           </a:p>
@@ -2254,7 +2254,7 @@
           <a:p>
             <a:fld id="{D997B5FA-0921-464F-AAE1-844C04324D75}" type="datetimeFigureOut">
               <a:rPr lang="zh-CN" altLang="en-US" smtClean="0"/>
-              <a:t>2022/3/29</a:t>
+              <a:t>2022/6/7</a:t>
             </a:fld>
             <a:endParaRPr lang="zh-CN" altLang="en-US"/>
           </a:p>
@@ -2524,7 +2524,7 @@
           <a:p>
             <a:fld id="{D997B5FA-0921-464F-AAE1-844C04324D75}" type="datetimeFigureOut">
               <a:rPr lang="zh-CN" altLang="en-US" smtClean="0"/>
-              <a:t>2022/3/29</a:t>
+              <a:t>2022/6/7</a:t>
             </a:fld>
             <a:endParaRPr lang="zh-CN" altLang="en-US"/>
           </a:p>
@@ -2771,7 +2771,7 @@
           <a:p>
             <a:fld id="{D997B5FA-0921-464F-AAE1-844C04324D75}" type="datetimeFigureOut">
               <a:rPr lang="zh-CN" altLang="en-US" smtClean="0"/>
-              <a:t>2022/3/29</a:t>
+              <a:t>2022/6/7</a:t>
             </a:fld>
             <a:endParaRPr lang="zh-CN" altLang="en-US"/>
           </a:p>
@@ -2977,7 +2977,7 @@
           <a:p>
             <a:fld id="{D997B5FA-0921-464F-AAE1-844C04324D75}" type="datetimeFigureOut">
               <a:rPr lang="zh-CN" altLang="en-US" smtClean="0"/>
-              <a:t>2022/3/29</a:t>
+              <a:t>2022/6/7</a:t>
             </a:fld>
             <a:endParaRPr lang="zh-CN" altLang="en-US"/>
           </a:p>
@@ -3962,7 +3962,7 @@
           <a:p>
             <a:r>
               <a:rPr lang="en-US" altLang="zh-CN" dirty="0"/>
-              <a:t>O2E_TU_2 </a:t>
+              <a:t>O2E-TU-2 </a:t>
             </a:r>
             <a:r>
               <a:rPr lang="zh-CN" altLang="en-US" dirty="0"/>
